--- a/car finder.pptx
+++ b/car finder.pptx
@@ -4171,28 +4171,6 @@
           <a:lstStyle/>
           <a:p>
             <a:r>
-              <a:rPr lang="en-US" sz="6000" b="1" dirty="0" smtClean="0">
-                <a:solidFill>
-                  <a:schemeClr val="bg1"/>
-                </a:solidFill>
-                <a:latin typeface="Helvetica Neue" charset="0"/>
-                <a:ea typeface="Helvetica Neue" charset="0"/>
-                <a:cs typeface="Helvetica Neue" charset="0"/>
-              </a:rPr>
-              <a:t>Car</a:t>
-            </a:r>
-            <a:r>
-              <a:rPr lang="en-US" sz="6000" b="1" dirty="0" smtClean="0">
-                <a:solidFill>
-                  <a:schemeClr val="bg1"/>
-                </a:solidFill>
-                <a:latin typeface="Helvetica Neue" charset="0"/>
-                <a:ea typeface="Helvetica Neue" charset="0"/>
-                <a:cs typeface="Helvetica Neue" charset="0"/>
-              </a:rPr>
-              <a:t> </a:t>
-            </a:r>
-            <a:r>
               <a:rPr lang="en-US" sz="6000" b="1" dirty="0">
                 <a:solidFill>
                   <a:schemeClr val="bg1"/>
@@ -4201,7 +4179,7 @@
                 <a:ea typeface="Helvetica Neue" charset="0"/>
                 <a:cs typeface="Helvetica Neue" charset="0"/>
               </a:rPr>
-              <a:t>Finder</a:t>
+              <a:t>Car Finder</a:t>
             </a:r>
           </a:p>
         </p:txBody>
@@ -4237,21 +4215,10 @@
                 <a:ea typeface="Helvetica Neue" charset="0"/>
                 <a:cs typeface="Helvetica Neue" charset="0"/>
               </a:rPr>
-              <a:t>By </a:t>
+              <a:t>By Blake Hawkins, Jacqueline </a:t>
             </a:r>
             <a:r>
-              <a:rPr lang="en-US" sz="2400" dirty="0" smtClean="0">
-                <a:solidFill>
-                  <a:schemeClr val="bg1"/>
-                </a:solidFill>
-                <a:latin typeface="Helvetica Neue" charset="0"/>
-                <a:ea typeface="Helvetica Neue" charset="0"/>
-                <a:cs typeface="Helvetica Neue" charset="0"/>
-              </a:rPr>
-              <a:t>Blake Hawkins, Jacqueline </a:t>
-            </a:r>
-            <a:r>
-              <a:rPr lang="en-US" sz="2400" dirty="0" err="1" smtClean="0">
+              <a:rPr lang="en-US" sz="2400" dirty="0" err="1">
                 <a:solidFill>
                   <a:schemeClr val="bg1"/>
                 </a:solidFill>
@@ -4262,7 +4229,7 @@
               <a:t>Kolze</a:t>
             </a:r>
             <a:r>
-              <a:rPr lang="en-US" sz="2400" dirty="0" smtClean="0">
+              <a:rPr lang="en-US" sz="2400" dirty="0">
                 <a:solidFill>
                   <a:schemeClr val="bg1"/>
                 </a:solidFill>
@@ -4270,27 +4237,8 @@
                 <a:ea typeface="Helvetica Neue" charset="0"/>
                 <a:cs typeface="Helvetica Neue" charset="0"/>
               </a:rPr>
-              <a:t>, &amp; Aaron </a:t>
+              <a:t>, &amp; Aaron Mayhew</a:t>
             </a:r>
-            <a:r>
-              <a:rPr lang="en-US" sz="2400" dirty="0" err="1" smtClean="0">
-                <a:solidFill>
-                  <a:schemeClr val="bg1"/>
-                </a:solidFill>
-                <a:latin typeface="Helvetica Neue" charset="0"/>
-                <a:ea typeface="Helvetica Neue" charset="0"/>
-                <a:cs typeface="Helvetica Neue" charset="0"/>
-              </a:rPr>
-              <a:t>Mayhews</a:t>
-            </a:r>
-            <a:endParaRPr lang="en-US" sz="2400" dirty="0">
-              <a:solidFill>
-                <a:schemeClr val="bg1"/>
-              </a:solidFill>
-              <a:latin typeface="Helvetica Neue" charset="0"/>
-              <a:ea typeface="Helvetica Neue" charset="0"/>
-              <a:cs typeface="Helvetica Neue" charset="0"/>
-            </a:endParaRPr>
           </a:p>
         </p:txBody>
       </p:sp>
@@ -4299,21 +4247,6 @@
   <p:clrMapOvr>
     <a:masterClrMapping/>
   </p:clrMapOvr>
-  <mc:AlternateContent xmlns:mc="http://schemas.openxmlformats.org/markup-compatibility/2006" xmlns:p14="http://schemas.microsoft.com/office/powerpoint/2010/main">
-    <mc:Choice Requires="p14">
-      <p:transition p14:dur="0"/>
-    </mc:Choice>
-    <mc:Fallback xmlns="">
-      <p:transition/>
-    </mc:Fallback>
-  </mc:AlternateContent>
-  <p:timing>
-    <p:tnLst>
-      <p:par>
-        <p:cTn id="1" dur="indefinite" restart="never" nodeType="tmRoot"/>
-      </p:par>
-    </p:tnLst>
-  </p:timing>
 </p:sld>
 </file>
 
@@ -4407,7 +4340,7 @@
               <a:buSzPts val="1100"/>
             </a:pPr>
             <a:r>
-              <a:rPr lang="en-US" sz="1800" dirty="0" smtClean="0">
+              <a:rPr lang="en-US" sz="1800" dirty="0">
                 <a:solidFill>
                   <a:schemeClr val="bg1"/>
                 </a:solidFill>
@@ -4418,6 +4351,17 @@
               </a:rPr>
               <a:t>We wanted to create a trendy car app, to help people buy and sell cars. </a:t>
             </a:r>
+          </a:p>
+          <a:p>
+            <a:pPr lvl="0">
+              <a:spcBef>
+                <a:spcPts val="600"/>
+              </a:spcBef>
+              <a:buClr>
+                <a:schemeClr val="dk1"/>
+              </a:buClr>
+              <a:buSzPts val="1100"/>
+            </a:pPr>
             <a:endParaRPr sz="1800" dirty="0">
               <a:solidFill>
                 <a:schemeClr val="bg1"/>
@@ -4464,21 +4408,6 @@
   <p:clrMapOvr>
     <a:masterClrMapping/>
   </p:clrMapOvr>
-  <mc:AlternateContent xmlns:mc="http://schemas.openxmlformats.org/markup-compatibility/2006" xmlns:p14="http://schemas.microsoft.com/office/powerpoint/2010/main">
-    <mc:Choice Requires="p14">
-      <p:transition p14:dur="0"/>
-    </mc:Choice>
-    <mc:Fallback xmlns="">
-      <p:transition/>
-    </mc:Fallback>
-  </mc:AlternateContent>
-  <p:timing>
-    <p:tnLst>
-      <p:par>
-        <p:cTn id="1" dur="indefinite" restart="never" nodeType="tmRoot"/>
-      </p:par>
-    </p:tnLst>
-  </p:timing>
 </p:sld>
 </file>
 
@@ -4536,7 +4465,7 @@
               <a:buNone/>
             </a:pPr>
             <a:r>
-              <a:rPr lang="en" sz="1000">
+              <a:rPr lang="en" sz="1000" dirty="0">
                 <a:solidFill>
                   <a:srgbClr val="39C0BA"/>
                 </a:solidFill>
@@ -4547,7 +4476,7 @@
               </a:rPr>
               <a:t>Place your screenshot here</a:t>
             </a:r>
-            <a:endParaRPr sz="1000">
+            <a:endParaRPr sz="1000" dirty="0">
               <a:solidFill>
                 <a:srgbClr val="39C0BA"/>
               </a:solidFill>
@@ -4609,8 +4538,8 @@
         </p:nvSpPr>
         <p:spPr>
           <a:xfrm>
-            <a:off x="0" y="3140075"/>
-            <a:ext cx="3352800" cy="2195513"/>
+            <a:off x="878888" y="3552093"/>
+            <a:ext cx="4634145" cy="2195513"/>
           </a:xfrm>
           <a:prstGeom prst="rect">
             <a:avLst/>
@@ -4632,7 +4561,7 @@
               <a:buNone/>
             </a:pPr>
             <a:r>
-              <a:rPr lang="en-US" sz="1800" b="1" dirty="0" smtClean="0">
+              <a:rPr lang="en-US" sz="3600" b="1" dirty="0">
                 <a:latin typeface="Helvetica Neue" charset="0"/>
                 <a:ea typeface="Helvetica Neue" charset="0"/>
                 <a:cs typeface="Helvetica Neue" charset="0"/>
@@ -4657,27 +4586,11 @@
             </a:endParaRPr>
           </a:p>
           <a:p>
-            <a:pPr marL="0" lvl="0" indent="0" rtl="0">
-              <a:spcBef>
-                <a:spcPts val="600"/>
-              </a:spcBef>
-              <a:spcAft>
-                <a:spcPts val="0"/>
-              </a:spcAft>
-              <a:buNone/>
-            </a:pPr>
-            <a:endParaRPr lang="en-US" sz="1800" b="1" dirty="0" smtClean="0">
-              <a:latin typeface="Helvetica Neue" charset="0"/>
-              <a:ea typeface="Helvetica Neue" charset="0"/>
-              <a:cs typeface="Helvetica Neue" charset="0"/>
-            </a:endParaRPr>
-          </a:p>
-          <a:p>
             <a:pPr marL="0" lvl="0" indent="0">
               <a:buNone/>
             </a:pPr>
             <a:r>
-              <a:rPr lang="en-US" sz="1800" b="1" dirty="0" err="1">
+              <a:rPr lang="en-US" sz="2400" b="1" dirty="0" err="1">
                 <a:latin typeface="Helvetica Neue" charset="0"/>
                 <a:ea typeface="Helvetica Neue" charset="0"/>
                 <a:cs typeface="Helvetica Neue" charset="0"/>
@@ -4685,12 +4598,12 @@
               <a:t>Github</a:t>
             </a:r>
             <a:r>
-              <a:rPr lang="en-US" sz="1800" b="1" dirty="0" smtClean="0">
+              <a:rPr lang="en-US" sz="2400" b="1" dirty="0">
                 <a:latin typeface="Helvetica Neue" charset="0"/>
                 <a:ea typeface="Helvetica Neue" charset="0"/>
                 <a:cs typeface="Helvetica Neue" charset="0"/>
               </a:rPr>
-              <a:t>: https</a:t>
+              <a:t>:</a:t>
             </a:r>
             <a:r>
               <a:rPr lang="en-US" sz="1800" b="1" dirty="0">
@@ -4698,104 +4611,8 @@
                 <a:ea typeface="Helvetica Neue" charset="0"/>
                 <a:cs typeface="Helvetica Neue" charset="0"/>
               </a:rPr>
-              <a:t>://</a:t>
+              <a:t> https://github.com/xTurbeaux/project2</a:t>
             </a:r>
-            <a:r>
-              <a:rPr lang="en-US" sz="1800" b="1" dirty="0" err="1">
-                <a:latin typeface="Helvetica Neue" charset="0"/>
-                <a:ea typeface="Helvetica Neue" charset="0"/>
-                <a:cs typeface="Helvetica Neue" charset="0"/>
-              </a:rPr>
-              <a:t>github.com</a:t>
-            </a:r>
-            <a:r>
-              <a:rPr lang="en-US" sz="1800" b="1" dirty="0">
-                <a:latin typeface="Helvetica Neue" charset="0"/>
-                <a:ea typeface="Helvetica Neue" charset="0"/>
-                <a:cs typeface="Helvetica Neue" charset="0"/>
-              </a:rPr>
-              <a:t>/</a:t>
-            </a:r>
-            <a:r>
-              <a:rPr lang="en-US" sz="1800" b="1" dirty="0" err="1">
-                <a:latin typeface="Helvetica Neue" charset="0"/>
-                <a:ea typeface="Helvetica Neue" charset="0"/>
-                <a:cs typeface="Helvetica Neue" charset="0"/>
-              </a:rPr>
-              <a:t>xTurbeaux</a:t>
-            </a:r>
-            <a:r>
-              <a:rPr lang="en-US" sz="1800" b="1" dirty="0">
-                <a:latin typeface="Helvetica Neue" charset="0"/>
-                <a:ea typeface="Helvetica Neue" charset="0"/>
-                <a:cs typeface="Helvetica Neue" charset="0"/>
-              </a:rPr>
-              <a:t>/project2</a:t>
-            </a:r>
-          </a:p>
-          <a:p>
-            <a:pPr marL="0" lvl="0" indent="0" rtl="0">
-              <a:spcBef>
-                <a:spcPts val="600"/>
-              </a:spcBef>
-              <a:spcAft>
-                <a:spcPts val="0"/>
-              </a:spcAft>
-              <a:buNone/>
-            </a:pPr>
-            <a:endParaRPr lang="en-US" sz="1800" b="1" dirty="0" smtClean="0">
-              <a:latin typeface="Helvetica Neue" charset="0"/>
-              <a:ea typeface="Helvetica Neue" charset="0"/>
-              <a:cs typeface="Helvetica Neue" charset="0"/>
-            </a:endParaRPr>
-          </a:p>
-          <a:p>
-            <a:pPr marL="0" lvl="0" indent="0" rtl="0">
-              <a:spcBef>
-                <a:spcPts val="600"/>
-              </a:spcBef>
-              <a:spcAft>
-                <a:spcPts val="0"/>
-              </a:spcAft>
-              <a:buNone/>
-            </a:pPr>
-            <a:endParaRPr lang="en-US" sz="1800" b="1" dirty="0">
-              <a:latin typeface="Helvetica Neue" charset="0"/>
-              <a:ea typeface="Helvetica Neue" charset="0"/>
-              <a:cs typeface="Helvetica Neue" charset="0"/>
-            </a:endParaRPr>
-          </a:p>
-          <a:p>
-            <a:pPr marL="0" lvl="0" indent="0" rtl="0">
-              <a:spcBef>
-                <a:spcPts val="600"/>
-              </a:spcBef>
-              <a:spcAft>
-                <a:spcPts val="0"/>
-              </a:spcAft>
-              <a:buNone/>
-            </a:pPr>
-            <a:endParaRPr lang="en-US" sz="1800" b="1" dirty="0" smtClean="0">
-              <a:latin typeface="Helvetica Neue" charset="0"/>
-              <a:ea typeface="Helvetica Neue" charset="0"/>
-              <a:cs typeface="Helvetica Neue" charset="0"/>
-            </a:endParaRPr>
-          </a:p>
-          <a:p>
-            <a:pPr marL="0" lvl="0" indent="0" rtl="0">
-              <a:spcBef>
-                <a:spcPts val="600"/>
-              </a:spcBef>
-              <a:spcAft>
-                <a:spcPts val="0"/>
-              </a:spcAft>
-              <a:buNone/>
-            </a:pPr>
-            <a:endParaRPr lang="en-US" sz="1800" b="1" dirty="0">
-              <a:latin typeface="Helvetica Neue" charset="0"/>
-              <a:ea typeface="Helvetica Neue" charset="0"/>
-              <a:cs typeface="Helvetica Neue" charset="0"/>
-            </a:endParaRPr>
           </a:p>
           <a:p>
             <a:pPr marL="0" lvl="0" indent="0" rtl="0">
@@ -5261,21 +5078,6 @@
   <p:clrMapOvr>
     <a:masterClrMapping/>
   </p:clrMapOvr>
-  <mc:AlternateContent xmlns:mc="http://schemas.openxmlformats.org/markup-compatibility/2006" xmlns:p14="http://schemas.microsoft.com/office/powerpoint/2010/main">
-    <mc:Choice Requires="p14">
-      <p:transition p14:dur="0"/>
-    </mc:Choice>
-    <mc:Fallback xmlns="">
-      <p:transition/>
-    </mc:Fallback>
-  </mc:AlternateContent>
-  <p:timing>
-    <p:tnLst>
-      <p:par>
-        <p:cTn id="1" dur="indefinite" restart="never" nodeType="tmRoot"/>
-      </p:par>
-    </p:tnLst>
-  </p:timing>
 </p:sld>
 </file>
 
@@ -5360,23 +5162,7 @@
                 <a:ea typeface="Helvetica Neue" charset="0"/>
                 <a:cs typeface="Helvetica Neue" charset="0"/>
               </a:rPr>
-              <a:t>How Does </a:t>
-            </a:r>
-            <a:r>
-              <a:rPr lang="en-US" sz="3600" b="1" dirty="0" smtClean="0">
-                <a:latin typeface="Helvetica Neue" charset="0"/>
-                <a:ea typeface="Helvetica Neue" charset="0"/>
-                <a:cs typeface="Helvetica Neue" charset="0"/>
-              </a:rPr>
-              <a:t>Car </a:t>
-            </a:r>
-            <a:r>
-              <a:rPr lang="en-US" sz="3600" b="1" dirty="0">
-                <a:latin typeface="Helvetica Neue" charset="0"/>
-                <a:ea typeface="Helvetica Neue" charset="0"/>
-                <a:cs typeface="Helvetica Neue" charset="0"/>
-              </a:rPr>
-              <a:t>Finder Work?</a:t>
+              <a:t>How Does Car Finder Work?</a:t>
             </a:r>
           </a:p>
         </p:txBody>
@@ -5631,7 +5417,7 @@
           </a:lstStyle>
           <a:p>
             <a:r>
-              <a:rPr lang="en-US" sz="1800" dirty="0" smtClean="0">
+              <a:rPr lang="en-US" sz="1800" dirty="0">
                 <a:solidFill>
                   <a:schemeClr val="bg1"/>
                 </a:solidFill>
@@ -5639,7 +5425,7 @@
                 <a:ea typeface="Helvetica Neue" charset="0"/>
                 <a:cs typeface="Helvetica Neue" charset="0"/>
               </a:rPr>
-              <a:t>Car Finder starts off by directing the user to the home page. From there the user has the option to fill out a form. The form asks important questions regarding car buying. These questions ask things like year, model, color, and type of car.  Then below the form it shows some featured cars. </a:t>
+              <a:t>Car Finder starts off by directing the user to the home page. From there the user has the option to search for cars by filling out optional information on a form. The form asks important questions regarding car buying. These questions ask things like year, model, color, and type of car.  Then below the form it shows some featured cars that are replaced by search results once the user submits.</a:t>
             </a:r>
           </a:p>
           <a:p>
@@ -5654,7 +5440,30 @@
           </a:p>
           <a:p>
             <a:r>
-              <a:rPr lang="en-US" sz="1800" dirty="0" smtClean="0">
+              <a:rPr lang="en-US" sz="1800" dirty="0">
+                <a:solidFill>
+                  <a:schemeClr val="bg1"/>
+                </a:solidFill>
+                <a:latin typeface="Helvetica Neue" charset="0"/>
+                <a:ea typeface="Helvetica Neue" charset="0"/>
+                <a:cs typeface="Helvetica Neue" charset="0"/>
+              </a:rPr>
+              <a:t>By clicking on a car, you can go to its own page that gives further details on the car, built in Handlebars.</a:t>
+            </a:r>
+          </a:p>
+          <a:p>
+            <a:endParaRPr lang="en-US" sz="1800" dirty="0">
+              <a:solidFill>
+                <a:schemeClr val="bg1"/>
+              </a:solidFill>
+              <a:latin typeface="Helvetica Neue" charset="0"/>
+              <a:ea typeface="Helvetica Neue" charset="0"/>
+              <a:cs typeface="Helvetica Neue" charset="0"/>
+            </a:endParaRPr>
+          </a:p>
+          <a:p>
+            <a:r>
+              <a:rPr lang="en-US" sz="1800" dirty="0">
                 <a:solidFill>
                   <a:schemeClr val="bg1"/>
                 </a:solidFill>
@@ -5677,7 +5486,7 @@
           </a:p>
           <a:p>
             <a:r>
-              <a:rPr lang="en-US" sz="1800" dirty="0" smtClean="0">
+              <a:rPr lang="en-US" sz="1800" dirty="0">
                 <a:solidFill>
                   <a:schemeClr val="bg1"/>
                 </a:solidFill>
@@ -5685,27 +5494,8 @@
                 <a:ea typeface="Helvetica Neue" charset="0"/>
                 <a:cs typeface="Helvetica Neue" charset="0"/>
               </a:rPr>
-              <a:t>On the log in page, it asks for username </a:t>
+              <a:t>On the log in page, it asks for username and password.</a:t>
             </a:r>
-            <a:r>
-              <a:rPr lang="en-US" sz="1800" smtClean="0">
-                <a:solidFill>
-                  <a:schemeClr val="bg1"/>
-                </a:solidFill>
-                <a:latin typeface="Helvetica Neue" charset="0"/>
-                <a:ea typeface="Helvetica Neue" charset="0"/>
-                <a:cs typeface="Helvetica Neue" charset="0"/>
-              </a:rPr>
-              <a:t>and password.</a:t>
-            </a:r>
-            <a:endParaRPr lang="en-US" sz="1800" dirty="0">
-              <a:solidFill>
-                <a:schemeClr val="bg1"/>
-              </a:solidFill>
-              <a:latin typeface="Helvetica Neue" charset="0"/>
-              <a:ea typeface="Helvetica Neue" charset="0"/>
-              <a:cs typeface="Helvetica Neue" charset="0"/>
-            </a:endParaRPr>
           </a:p>
         </p:txBody>
       </p:sp>
@@ -5719,21 +5509,6 @@
   <p:clrMapOvr>
     <a:masterClrMapping/>
   </p:clrMapOvr>
-  <mc:AlternateContent xmlns:mc="http://schemas.openxmlformats.org/markup-compatibility/2006" xmlns:p14="http://schemas.microsoft.com/office/powerpoint/2010/main">
-    <mc:Choice Requires="p14">
-      <p:transition p14:dur="0"/>
-    </mc:Choice>
-    <mc:Fallback xmlns="">
-      <p:transition/>
-    </mc:Fallback>
-  </mc:AlternateContent>
-  <p:timing>
-    <p:tnLst>
-      <p:par>
-        <p:cTn id="1" dur="indefinite" restart="never" nodeType="tmRoot"/>
-      </p:par>
-    </p:tnLst>
-  </p:timing>
 </p:sld>
 </file>
 
@@ -5796,31 +5571,26 @@
           <a:lstStyle/>
           <a:p>
             <a:r>
-              <a:rPr lang="en-US" sz="1800" dirty="0" smtClean="0">
+              <a:rPr lang="en-US" sz="1800" dirty="0">
                 <a:latin typeface="Helvetica Neue" charset="0"/>
                 <a:ea typeface="Helvetica Neue" charset="0"/>
                 <a:cs typeface="Helvetica Neue" charset="0"/>
               </a:rPr>
               <a:t>Jacqueline, did both front end and back end stuff. She did all the design stuff, and helped with backend stuff such as logins. </a:t>
             </a:r>
-            <a:endParaRPr lang="en-US" sz="1800" dirty="0" smtClean="0"/>
-          </a:p>
-          <a:p>
-            <a:endParaRPr lang="en-US" sz="1800" dirty="0">
-              <a:latin typeface="Helvetica Neue" charset="0"/>
-              <a:ea typeface="Helvetica Neue" charset="0"/>
-              <a:cs typeface="Helvetica Neue" charset="0"/>
-            </a:endParaRPr>
+            <a:endParaRPr lang="en-US" sz="1800" dirty="0"/>
           </a:p>
           <a:p>
             <a:r>
-              <a:rPr lang="en-US" sz="1800" dirty="0" smtClean="0">
+              <a:rPr lang="en-US" sz="1800" dirty="0">
                 <a:latin typeface="Helvetica Neue" charset="0"/>
                 <a:ea typeface="Helvetica Neue" charset="0"/>
                 <a:cs typeface="Helvetica Neue" charset="0"/>
               </a:rPr>
-              <a:t>Blake did back end stuff. He contributed by doing routing and testing.</a:t>
+              <a:t>Aaron also did back end stuff. He contributed by doing API routing.</a:t>
             </a:r>
+          </a:p>
+          <a:p>
             <a:endParaRPr lang="en-US" sz="1800" dirty="0">
               <a:latin typeface="Helvetica Neue" charset="0"/>
               <a:ea typeface="Helvetica Neue" charset="0"/>
@@ -5845,13 +5615,31 @@
           <a:lstStyle/>
           <a:p>
             <a:r>
-              <a:rPr lang="en-US" sz="1800" dirty="0" smtClean="0">
+              <a:rPr lang="en-US" sz="1800" dirty="0">
                 <a:latin typeface="Helvetica Neue" charset="0"/>
                 <a:ea typeface="Helvetica Neue" charset="0"/>
                 <a:cs typeface="Helvetica Neue" charset="0"/>
               </a:rPr>
-              <a:t>Aaron also did back end stuff. He contributed by doing API routing.</a:t>
+              <a:t>Blake organized the repository and connected the front and back end work that had been done enough to be able to push to Heroku. This required much of the work between the group to be reformatted to actually work </a:t>
             </a:r>
+            <a:r>
+              <a:rPr lang="en-US" sz="1800">
+                <a:latin typeface="Helvetica Neue" charset="0"/>
+                <a:ea typeface="Helvetica Neue" charset="0"/>
+                <a:cs typeface="Helvetica Neue" charset="0"/>
+              </a:rPr>
+              <a:t>once deployed. </a:t>
+            </a:r>
+            <a:r>
+              <a:rPr lang="en-US" sz="1800" dirty="0">
+                <a:latin typeface="Helvetica Neue" charset="0"/>
+                <a:ea typeface="Helvetica Neue" charset="0"/>
+                <a:cs typeface="Helvetica Neue" charset="0"/>
+              </a:rPr>
+              <a:t>He also did the HTML routing and some of the API routing along with creating the database models.</a:t>
+            </a:r>
+          </a:p>
+          <a:p>
             <a:endParaRPr lang="en-US" sz="1800" dirty="0">
               <a:latin typeface="Helvetica Neue" charset="0"/>
               <a:ea typeface="Helvetica Neue" charset="0"/>
@@ -5902,21 +5690,6 @@
   <p:clrMapOvr>
     <a:masterClrMapping/>
   </p:clrMapOvr>
-  <mc:AlternateContent xmlns:mc="http://schemas.openxmlformats.org/markup-compatibility/2006" xmlns:p14="http://schemas.microsoft.com/office/powerpoint/2010/main">
-    <mc:Choice Requires="p14">
-      <p:transition p14:dur="0"/>
-    </mc:Choice>
-    <mc:Fallback xmlns="">
-      <p:transition/>
-    </mc:Fallback>
-  </mc:AlternateContent>
-  <p:timing>
-    <p:tnLst>
-      <p:par>
-        <p:cTn id="1" dur="indefinite" restart="never" nodeType="tmRoot"/>
-      </p:par>
-    </p:tnLst>
-  </p:timing>
 </p:sld>
 </file>
 
@@ -6015,7 +5788,7 @@
         <p:spPr>
           <a:xfrm>
             <a:off x="1073426" y="1603513"/>
-            <a:ext cx="6944139" cy="1908215"/>
+            <a:ext cx="6944139" cy="2185214"/>
           </a:xfrm>
           <a:prstGeom prst="rect">
             <a:avLst/>
@@ -6029,7 +5802,7 @@
           <a:lstStyle/>
           <a:p>
             <a:r>
-              <a:rPr lang="en-US" sz="1800" dirty="0" smtClean="0">
+              <a:rPr lang="en-US" sz="1800" dirty="0">
                 <a:solidFill>
                   <a:schemeClr val="bg1"/>
                 </a:solidFill>
@@ -6052,7 +5825,7 @@
           </a:p>
           <a:p>
             <a:r>
-              <a:rPr lang="en-US" sz="1800" dirty="0" smtClean="0">
+              <a:rPr lang="en-US" sz="1800" dirty="0">
                 <a:solidFill>
                   <a:schemeClr val="bg1"/>
                 </a:solidFill>
@@ -6060,7 +5833,7 @@
                 <a:ea typeface="Helvetica Neue" charset="0"/>
                 <a:cs typeface="Helvetica Neue" charset="0"/>
               </a:rPr>
-              <a:t>-Working together, we found it much harder to work together on this project due to the tasks being intertwined rather then separate. Each person was constantly waiting on the others.</a:t>
+              <a:t>-Working together, we found it much harder to work together on this project due to the tasks being intertwined rather then separate. Each person spent a lot of time waiting on the others in order to see functionality.</a:t>
             </a:r>
           </a:p>
           <a:p>
@@ -6079,21 +5852,6 @@
   <p:clrMapOvr>
     <a:masterClrMapping/>
   </p:clrMapOvr>
-  <mc:AlternateContent xmlns:mc="http://schemas.openxmlformats.org/markup-compatibility/2006" xmlns:p14="http://schemas.microsoft.com/office/powerpoint/2010/main">
-    <mc:Choice Requires="p14">
-      <p:transition p14:dur="0"/>
-    </mc:Choice>
-    <mc:Fallback xmlns="">
-      <p:transition/>
-    </mc:Fallback>
-  </mc:AlternateContent>
-  <p:timing>
-    <p:tnLst>
-      <p:par>
-        <p:cTn id="1" dur="indefinite" restart="never" nodeType="tmRoot"/>
-      </p:par>
-    </p:tnLst>
-  </p:timing>
 </p:sld>
 </file>
 
@@ -6200,7 +5958,7 @@
           <a:lstStyle/>
           <a:p>
             <a:r>
-              <a:rPr lang="en-US" sz="1800" dirty="0" smtClean="0">
+              <a:rPr lang="en-US" sz="1800" dirty="0">
                 <a:solidFill>
                   <a:schemeClr val="bg1"/>
                 </a:solidFill>
@@ -6223,7 +5981,7 @@
           </a:p>
           <a:p>
             <a:r>
-              <a:rPr lang="en-US" sz="1800" dirty="0" smtClean="0">
+              <a:rPr lang="en-US" sz="1800" dirty="0">
                 <a:solidFill>
                   <a:schemeClr val="bg1"/>
                 </a:solidFill>
@@ -6231,7 +5989,7 @@
                 <a:ea typeface="Helvetica Neue" charset="0"/>
                 <a:cs typeface="Helvetica Neue" charset="0"/>
               </a:rPr>
-              <a:t>-Perhaps expanding to RV’s </a:t>
+              <a:t>-Perhaps expanding to RV’s, boats, other vehicles.</a:t>
             </a:r>
           </a:p>
           <a:p>
@@ -6246,7 +6004,7 @@
           </a:p>
           <a:p>
             <a:r>
-              <a:rPr lang="en-US" sz="1800" dirty="0" smtClean="0">
+              <a:rPr lang="en-US" sz="1800" dirty="0">
                 <a:solidFill>
                   <a:schemeClr val="bg1"/>
                 </a:solidFill>
@@ -6268,7 +6026,7 @@
             </a:endParaRPr>
           </a:p>
           <a:p>
-            <a:endParaRPr lang="en-US" sz="1800" dirty="0" smtClean="0">
+            <a:endParaRPr lang="en-US" sz="1800" dirty="0">
               <a:solidFill>
                 <a:schemeClr val="bg1"/>
               </a:solidFill>
@@ -6309,21 +6067,6 @@
   <p:clrMapOvr>
     <a:masterClrMapping/>
   </p:clrMapOvr>
-  <mc:AlternateContent xmlns:mc="http://schemas.openxmlformats.org/markup-compatibility/2006" xmlns:p14="http://schemas.microsoft.com/office/powerpoint/2010/main">
-    <mc:Choice Requires="p14">
-      <p:transition p14:dur="0"/>
-    </mc:Choice>
-    <mc:Fallback xmlns="">
-      <p:transition/>
-    </mc:Fallback>
-  </mc:AlternateContent>
-  <p:timing>
-    <p:tnLst>
-      <p:par>
-        <p:cTn id="1" dur="indefinite" restart="never" nodeType="tmRoot"/>
-      </p:par>
-    </p:tnLst>
-  </p:timing>
 </p:sld>
 </file>
 
